--- a/src/figures/posting_list.pptx
+++ b/src/figures/posting_list.pptx
@@ -197,7 +197,7 @@
           <a:p>
             <a:fld id="{C1C90ABE-C08A-444A-9B97-50985CA7357E}" type="datetimeFigureOut">
               <a:rPr kumimoji="1" lang="ja-JP" altLang="en-US" smtClean="0"/>
-              <a:t>2024/7/12</a:t>
+              <a:t>2024/7/29</a:t>
             </a:fld>
             <a:endParaRPr kumimoji="1" lang="ja-JP" altLang="en-US"/>
           </a:p>
@@ -2037,8 +2037,8 @@
           <a:chExt cx="0" cy="0"/>
         </a:xfrm>
       </p:grpSpPr>
-      <mc:AlternateContent xmlns:mc="http://schemas.openxmlformats.org/markup-compatibility/2006">
-        <mc:Choice xmlns:a14="http://schemas.microsoft.com/office/drawing/2010/main" Requires="a14">
+      <mc:AlternateContent xmlns:mc="http://schemas.openxmlformats.org/markup-compatibility/2006" xmlns:a14="http://schemas.microsoft.com/office/drawing/2010/main">
+        <mc:Choice Requires="a14">
           <p:graphicFrame>
             <p:nvGraphicFramePr>
               <p:cNvPr id="60" name="表 49">
@@ -2510,7 +2510,7 @@
             </a:graphic>
           </p:graphicFrame>
         </mc:Choice>
-        <mc:Fallback>
+        <mc:Fallback xmlns="">
           <p:graphicFrame>
             <p:nvGraphicFramePr>
               <p:cNvPr id="60" name="表 49">
@@ -2936,8 +2936,8 @@
           </p:graphicFrame>
         </mc:Fallback>
       </mc:AlternateContent>
-      <mc:AlternateContent xmlns:mc="http://schemas.openxmlformats.org/markup-compatibility/2006">
-        <mc:Choice xmlns:a14="http://schemas.microsoft.com/office/drawing/2010/main" Requires="a14">
+      <mc:AlternateContent xmlns:mc="http://schemas.openxmlformats.org/markup-compatibility/2006" xmlns:a14="http://schemas.microsoft.com/office/drawing/2010/main">
+        <mc:Choice Requires="a14">
           <p:graphicFrame>
             <p:nvGraphicFramePr>
               <p:cNvPr id="74" name="表 49">
@@ -3371,7 +3371,7 @@
             </a:graphic>
           </p:graphicFrame>
         </mc:Choice>
-        <mc:Fallback>
+        <mc:Fallback xmlns="">
           <p:graphicFrame>
             <p:nvGraphicFramePr>
               <p:cNvPr id="74" name="表 49">

--- a/src/figures/posting_list.pptx
+++ b/src/figures/posting_list.pptx
@@ -197,7 +197,7 @@
           <a:p>
             <a:fld id="{C1C90ABE-C08A-444A-9B97-50985CA7357E}" type="datetimeFigureOut">
               <a:rPr kumimoji="1" lang="ja-JP" altLang="en-US" smtClean="0"/>
-              <a:t>2024/7/29</a:t>
+              <a:t>2024/8/1</a:t>
             </a:fld>
             <a:endParaRPr kumimoji="1" lang="ja-JP" altLang="en-US"/>
           </a:p>
@@ -2936,8 +2936,8 @@
           </p:graphicFrame>
         </mc:Fallback>
       </mc:AlternateContent>
-      <mc:AlternateContent xmlns:mc="http://schemas.openxmlformats.org/markup-compatibility/2006" xmlns:a14="http://schemas.microsoft.com/office/drawing/2010/main">
-        <mc:Choice Requires="a14">
+      <mc:AlternateContent xmlns:mc="http://schemas.openxmlformats.org/markup-compatibility/2006">
+        <mc:Choice xmlns:a14="http://schemas.microsoft.com/office/drawing/2010/main" Requires="a14">
           <p:graphicFrame>
             <p:nvGraphicFramePr>
               <p:cNvPr id="74" name="表 49">
@@ -2953,14 +2953,14 @@
               <p:nvPr>
                 <p:extLst>
                   <p:ext uri="{D42A27DB-BD31-4B8C-83A1-F6EECF244321}">
-                    <p14:modId xmlns:p14="http://schemas.microsoft.com/office/powerpoint/2010/main" val="4149183857"/>
+                    <p14:modId xmlns:p14="http://schemas.microsoft.com/office/powerpoint/2010/main" val="2454578836"/>
                   </p:ext>
                 </p:extLst>
               </p:nvPr>
             </p:nvGraphicFramePr>
             <p:xfrm>
-              <a:off x="1135590" y="66414"/>
-              <a:ext cx="1092580" cy="1162571"/>
+              <a:off x="1321784" y="66414"/>
+              <a:ext cx="906385" cy="1162571"/>
             </p:xfrm>
             <a:graphic>
               <a:graphicData uri="http://schemas.openxmlformats.org/drawingml/2006/table">
@@ -2969,7 +2969,7 @@
                     <a:tableStyleId>{2D5ABB26-0587-4C30-8999-92F81FD0307C}</a:tableStyleId>
                   </a:tblPr>
                   <a:tblGrid>
-                    <a:gridCol w="1092580">
+                    <a:gridCol w="906385">
                       <a:extLst>
                         <a:ext uri="{9D8B030D-6E8A-4147-A177-3AD203B41FA5}">
                           <a16:colId xmlns:a16="http://schemas.microsoft.com/office/drawing/2014/main" val="1391329631"/>
@@ -3118,7 +3118,7 @@
                             <a:rPr kumimoji="1" lang="en-US" altLang="ja-JP" sz="900" dirty="0">
                               <a:latin typeface="Cambria Math" panose="02040503050406030204" pitchFamily="18" charset="0"/>
                             </a:rPr>
-                            <a:t>Suffix2:example.org</a:t>
+                            <a:t>Suffix2:org</a:t>
                           </a:r>
                         </a:p>
                         <a:p>
@@ -3194,7 +3194,7 @@
                             <a:rPr kumimoji="1" lang="en-US" altLang="ja-JP" sz="900" dirty="0">
                               <a:latin typeface="Cambria Math" panose="02040503050406030204" pitchFamily="18" charset="0"/>
                             </a:rPr>
-                            <a:t>Suffix1:example.com</a:t>
+                            <a:t>Suffix1:com</a:t>
                           </a:r>
                         </a:p>
                         <a:p>
@@ -3371,7 +3371,7 @@
             </a:graphic>
           </p:graphicFrame>
         </mc:Choice>
-        <mc:Fallback xmlns="">
+        <mc:Fallback>
           <p:graphicFrame>
             <p:nvGraphicFramePr>
               <p:cNvPr id="74" name="表 49">
@@ -3387,14 +3387,14 @@
               <p:nvPr>
                 <p:extLst>
                   <p:ext uri="{D42A27DB-BD31-4B8C-83A1-F6EECF244321}">
-                    <p14:modId xmlns:p14="http://schemas.microsoft.com/office/powerpoint/2010/main" val="4149183857"/>
+                    <p14:modId xmlns:p14="http://schemas.microsoft.com/office/powerpoint/2010/main" val="2454578836"/>
                   </p:ext>
                 </p:extLst>
               </p:nvPr>
             </p:nvGraphicFramePr>
             <p:xfrm>
-              <a:off x="1135590" y="66414"/>
-              <a:ext cx="1092580" cy="1162571"/>
+              <a:off x="1321784" y="66414"/>
+              <a:ext cx="906385" cy="1162571"/>
             </p:xfrm>
             <a:graphic>
               <a:graphicData uri="http://schemas.openxmlformats.org/drawingml/2006/table">
@@ -3403,7 +3403,7 @@
                     <a:tableStyleId>{2D5ABB26-0587-4C30-8999-92F81FD0307C}</a:tableStyleId>
                   </a:tblPr>
                   <a:tblGrid>
-                    <a:gridCol w="1092580">
+                    <a:gridCol w="906385">
                       <a:extLst>
                         <a:ext uri="{9D8B030D-6E8A-4147-A177-3AD203B41FA5}">
                           <a16:colId xmlns:a16="http://schemas.microsoft.com/office/drawing/2014/main" val="1391329631"/>
@@ -3552,7 +3552,7 @@
                             <a:rPr kumimoji="1" lang="en-US" altLang="ja-JP" sz="900" dirty="0">
                               <a:latin typeface="Cambria Math" panose="02040503050406030204" pitchFamily="18" charset="0"/>
                             </a:rPr>
-                            <a:t>Suffix2:example.org</a:t>
+                            <a:t>Suffix2:org</a:t>
                           </a:r>
                         </a:p>
                         <a:p>
@@ -3628,7 +3628,7 @@
                             <a:rPr kumimoji="1" lang="en-US" altLang="ja-JP" sz="900" dirty="0">
                               <a:latin typeface="Cambria Math" panose="02040503050406030204" pitchFamily="18" charset="0"/>
                             </a:rPr>
-                            <a:t>Suffix1:example.com</a:t>
+                            <a:t>Suffix1:com</a:t>
                           </a:r>
                         </a:p>
                         <a:p>
@@ -3742,7 +3742,7 @@
                         <a:blipFill>
                           <a:blip r:embed="rId4"/>
                           <a:stretch>
-                            <a:fillRect l="-556" t="-657692" r="-1111" b="-38462"/>
+                            <a:fillRect l="-667" t="-657692" r="-1333" b="-38462"/>
                           </a:stretch>
                         </a:blipFill>
                       </a:tcPr>
@@ -3776,7 +3776,7 @@
         <p:spPr>
           <a:xfrm>
             <a:off x="816756" y="890862"/>
-            <a:ext cx="318834" cy="0"/>
+            <a:ext cx="505028" cy="0"/>
           </a:xfrm>
           <a:prstGeom prst="straightConnector1">
             <a:avLst/>

--- a/src/figures/posting_list.pptx
+++ b/src/figures/posting_list.pptx
@@ -197,7 +197,7 @@
           <a:p>
             <a:fld id="{C1C90ABE-C08A-444A-9B97-50985CA7357E}" type="datetimeFigureOut">
               <a:rPr kumimoji="1" lang="ja-JP" altLang="en-US" smtClean="0"/>
-              <a:t>2024/8/1</a:t>
+              <a:t>2024/8/2</a:t>
             </a:fld>
             <a:endParaRPr kumimoji="1" lang="ja-JP" altLang="en-US"/>
           </a:p>
@@ -2037,8 +2037,8 @@
           <a:chExt cx="0" cy="0"/>
         </a:xfrm>
       </p:grpSpPr>
-      <mc:AlternateContent xmlns:mc="http://schemas.openxmlformats.org/markup-compatibility/2006" xmlns:a14="http://schemas.microsoft.com/office/drawing/2010/main">
-        <mc:Choice Requires="a14">
+      <mc:AlternateContent xmlns:mc="http://schemas.openxmlformats.org/markup-compatibility/2006">
+        <mc:Choice xmlns:a14="http://schemas.microsoft.com/office/drawing/2010/main" Requires="a14">
           <p:graphicFrame>
             <p:nvGraphicFramePr>
               <p:cNvPr id="60" name="表 49">
@@ -2054,14 +2054,14 @@
               <p:nvPr>
                 <p:extLst>
                   <p:ext uri="{D42A27DB-BD31-4B8C-83A1-F6EECF244321}">
-                    <p14:modId xmlns:p14="http://schemas.microsoft.com/office/powerpoint/2010/main" val="4167316541"/>
+                    <p14:modId xmlns:p14="http://schemas.microsoft.com/office/powerpoint/2010/main" val="2819415628"/>
                   </p:ext>
                 </p:extLst>
               </p:nvPr>
             </p:nvGraphicFramePr>
             <p:xfrm>
-              <a:off x="128416" y="116925"/>
-              <a:ext cx="680440" cy="1071106"/>
+              <a:off x="128415" y="70496"/>
+              <a:ext cx="876761" cy="1154408"/>
             </p:xfrm>
             <a:graphic>
               <a:graphicData uri="http://schemas.openxmlformats.org/drawingml/2006/table">
@@ -2070,7 +2070,7 @@
                     <a:tableStyleId>{2D5ABB26-0587-4C30-8999-92F81FD0307C}</a:tableStyleId>
                   </a:tblPr>
                   <a:tblGrid>
-                    <a:gridCol w="680440">
+                    <a:gridCol w="876761">
                       <a:extLst>
                         <a:ext uri="{9D8B030D-6E8A-4147-A177-3AD203B41FA5}">
                           <a16:colId xmlns:a16="http://schemas.microsoft.com/office/drawing/2014/main" val="1391329631"/>
@@ -2154,19 +2154,8 @@
                           <a:r>
                             <a:rPr kumimoji="1" lang="en-US" altLang="ja-JP" sz="900" dirty="0">
                               <a:latin typeface="Cambria Math" panose="02040503050406030204" pitchFamily="18" charset="0"/>
-                              <a:ea typeface="Cambria Math" panose="02040503050406030204" pitchFamily="18" charset="0"/>
                             </a:rPr>
-                            <a:t>Key1:</a:t>
-                          </a:r>
-                        </a:p>
-                        <a:p>
-                          <a:pPr algn="ctr"/>
-                          <a:r>
-                            <a:rPr kumimoji="1" lang="en-US" altLang="ja-JP" sz="900" dirty="0">
-                              <a:latin typeface="Cambria Math" panose="02040503050406030204" pitchFamily="18" charset="0"/>
-                              <a:ea typeface="Cambria Math" panose="02040503050406030204" pitchFamily="18" charset="0"/>
-                            </a:rPr>
-                            <a:t>“www.jpn.”</a:t>
+                            <a:t>Metadata1</a:t>
                           </a:r>
                           <a:endParaRPr kumimoji="1" lang="ja-JP" altLang="en-US" sz="900" dirty="0">
                             <a:latin typeface="Cambria Math" panose="02040503050406030204" pitchFamily="18" charset="0"/>
@@ -2282,6 +2271,32 @@
                               <a:latin typeface="Cambria Math" panose="02040503050406030204" pitchFamily="18" charset="0"/>
                             </a:rPr>
                             <a:t>...</a:t>
+                          </a:r>
+                        </a:p>
+                        <a:p>
+                          <a:pPr marL="0" marR="0" lvl="0" indent="0" algn="ctr" defTabSz="128789" rtl="0" eaLnBrk="1" fontAlgn="auto" latinLnBrk="0" hangingPunct="1">
+                            <a:lnSpc>
+                              <a:spcPct val="100000"/>
+                            </a:lnSpc>
+                            <a:spcBef>
+                              <a:spcPts val="0"/>
+                            </a:spcBef>
+                            <a:spcAft>
+                              <a:spcPts val="0"/>
+                            </a:spcAft>
+                            <a:buClrTx/>
+                            <a:buSzTx/>
+                            <a:buFontTx/>
+                            <a:buNone/>
+                            <a:tabLst/>
+                            <a:defRPr/>
+                          </a:pPr>
+                          <a:r>
+                            <a:rPr kumimoji="1" lang="en-US" altLang="ja-JP" sz="900" dirty="0">
+                              <a:latin typeface="Cambria Math" panose="02040503050406030204" pitchFamily="18" charset="0"/>
+                              <a:ea typeface="Cambria Math" panose="02040503050406030204" pitchFamily="18" charset="0"/>
+                            </a:rPr>
+                            <a:t>Key1:“www.jpn.”</a:t>
                           </a:r>
                           <a:endParaRPr kumimoji="1" lang="ja-JP" altLang="en-US" sz="900" dirty="0">
                             <a:latin typeface="Cambria Math" panose="02040503050406030204" pitchFamily="18" charset="0"/>
@@ -2510,7 +2525,7 @@
             </a:graphic>
           </p:graphicFrame>
         </mc:Choice>
-        <mc:Fallback xmlns="">
+        <mc:Fallback>
           <p:graphicFrame>
             <p:nvGraphicFramePr>
               <p:cNvPr id="60" name="表 49">
@@ -2526,14 +2541,14 @@
               <p:nvPr>
                 <p:extLst>
                   <p:ext uri="{D42A27DB-BD31-4B8C-83A1-F6EECF244321}">
-                    <p14:modId xmlns:p14="http://schemas.microsoft.com/office/powerpoint/2010/main" val="4167316541"/>
+                    <p14:modId xmlns:p14="http://schemas.microsoft.com/office/powerpoint/2010/main" val="2819415628"/>
                   </p:ext>
                 </p:extLst>
               </p:nvPr>
             </p:nvGraphicFramePr>
             <p:xfrm>
-              <a:off x="128416" y="116925"/>
-              <a:ext cx="680440" cy="1071106"/>
+              <a:off x="128415" y="70496"/>
+              <a:ext cx="876761" cy="1154408"/>
             </p:xfrm>
             <a:graphic>
               <a:graphicData uri="http://schemas.openxmlformats.org/drawingml/2006/table">
@@ -2542,7 +2557,7 @@
                     <a:tableStyleId>{2D5ABB26-0587-4C30-8999-92F81FD0307C}</a:tableStyleId>
                   </a:tblPr>
                   <a:tblGrid>
-                    <a:gridCol w="680440">
+                    <a:gridCol w="876761">
                       <a:extLst>
                         <a:ext uri="{9D8B030D-6E8A-4147-A177-3AD203B41FA5}">
                           <a16:colId xmlns:a16="http://schemas.microsoft.com/office/drawing/2014/main" val="1391329631"/>
@@ -2616,7 +2631,7 @@
                       </a:ext>
                     </a:extLst>
                   </a:tr>
-                  <a:tr h="292546">
+                  <a:tr h="239014">
                     <a:tc>
                       <a:txBody>
                         <a:bodyPr/>
@@ -2626,19 +2641,8 @@
                           <a:r>
                             <a:rPr kumimoji="1" lang="en-US" altLang="ja-JP" sz="900" dirty="0">
                               <a:latin typeface="Cambria Math" panose="02040503050406030204" pitchFamily="18" charset="0"/>
-                              <a:ea typeface="Cambria Math" panose="02040503050406030204" pitchFamily="18" charset="0"/>
                             </a:rPr>
-                            <a:t>Key1:</a:t>
-                          </a:r>
-                        </a:p>
-                        <a:p>
-                          <a:pPr algn="ctr"/>
-                          <a:r>
-                            <a:rPr kumimoji="1" lang="en-US" altLang="ja-JP" sz="900" dirty="0">
-                              <a:latin typeface="Cambria Math" panose="02040503050406030204" pitchFamily="18" charset="0"/>
-                              <a:ea typeface="Cambria Math" panose="02040503050406030204" pitchFamily="18" charset="0"/>
-                            </a:rPr>
-                            <a:t>“www.jpn.”</a:t>
+                            <a:t>Metadata1</a:t>
                           </a:r>
                           <a:endParaRPr kumimoji="1" lang="ja-JP" altLang="en-US" sz="900" dirty="0">
                             <a:latin typeface="Cambria Math" panose="02040503050406030204" pitchFamily="18" charset="0"/>
@@ -2742,7 +2746,7 @@
                       </a:ext>
                     </a:extLst>
                   </a:tr>
-                  <a:tr h="155712">
+                  <a:tr h="292546">
                     <a:tc>
                       <a:txBody>
                         <a:bodyPr/>
@@ -2754,6 +2758,32 @@
                               <a:latin typeface="Cambria Math" panose="02040503050406030204" pitchFamily="18" charset="0"/>
                             </a:rPr>
                             <a:t>...</a:t>
+                          </a:r>
+                        </a:p>
+                        <a:p>
+                          <a:pPr marL="0" marR="0" lvl="0" indent="0" algn="ctr" defTabSz="128789" rtl="0" eaLnBrk="1" fontAlgn="auto" latinLnBrk="0" hangingPunct="1">
+                            <a:lnSpc>
+                              <a:spcPct val="100000"/>
+                            </a:lnSpc>
+                            <a:spcBef>
+                              <a:spcPts val="0"/>
+                            </a:spcBef>
+                            <a:spcAft>
+                              <a:spcPts val="0"/>
+                            </a:spcAft>
+                            <a:buClrTx/>
+                            <a:buSzTx/>
+                            <a:buFontTx/>
+                            <a:buNone/>
+                            <a:tabLst/>
+                            <a:defRPr/>
+                          </a:pPr>
+                          <a:r>
+                            <a:rPr kumimoji="1" lang="en-US" altLang="ja-JP" sz="900" dirty="0">
+                              <a:latin typeface="Cambria Math" panose="02040503050406030204" pitchFamily="18" charset="0"/>
+                              <a:ea typeface="Cambria Math" panose="02040503050406030204" pitchFamily="18" charset="0"/>
+                            </a:rPr>
+                            <a:t>Key1:“www.jpn.”</a:t>
                           </a:r>
                           <a:endParaRPr kumimoji="1" lang="ja-JP" altLang="en-US" sz="900" dirty="0">
                             <a:latin typeface="Cambria Math" panose="02040503050406030204" pitchFamily="18" charset="0"/>
@@ -2919,7 +2949,7 @@
                         <a:blipFill>
                           <a:blip r:embed="rId3"/>
                           <a:stretch>
-                            <a:fillRect l="-893" t="-600000" r="-1786" b="-38462"/>
+                            <a:fillRect l="-694" t="-650000" r="-1389" b="-38462"/>
                           </a:stretch>
                         </a:blipFill>
                       </a:tcPr>
@@ -2953,14 +2983,14 @@
               <p:nvPr>
                 <p:extLst>
                   <p:ext uri="{D42A27DB-BD31-4B8C-83A1-F6EECF244321}">
-                    <p14:modId xmlns:p14="http://schemas.microsoft.com/office/powerpoint/2010/main" val="2454578836"/>
+                    <p14:modId xmlns:p14="http://schemas.microsoft.com/office/powerpoint/2010/main" val="120447634"/>
                   </p:ext>
                 </p:extLst>
               </p:nvPr>
             </p:nvGraphicFramePr>
             <p:xfrm>
-              <a:off x="1321784" y="66414"/>
-              <a:ext cx="906385" cy="1162571"/>
+              <a:off x="1321784" y="41460"/>
+              <a:ext cx="906385" cy="1212480"/>
             </p:xfrm>
             <a:graphic>
               <a:graphicData uri="http://schemas.openxmlformats.org/drawingml/2006/table">
@@ -3043,13 +3073,111 @@
                       </a:ext>
                     </a:extLst>
                   </a:tr>
-                  <a:tr h="266707">
+                  <a:tr h="161230">
                     <a:tc>
                       <a:txBody>
                         <a:bodyPr/>
                         <a:lstStyle/>
                         <a:p>
-                          <a:pPr algn="ctr"/>
+                          <a:pPr marL="0" marR="0" lvl="0" indent="0" algn="ctr" defTabSz="128789" rtl="0" eaLnBrk="1" fontAlgn="auto" latinLnBrk="0" hangingPunct="1">
+                            <a:lnSpc>
+                              <a:spcPct val="100000"/>
+                            </a:lnSpc>
+                            <a:spcBef>
+                              <a:spcPts val="0"/>
+                            </a:spcBef>
+                            <a:spcAft>
+                              <a:spcPts val="0"/>
+                            </a:spcAft>
+                            <a:buClrTx/>
+                            <a:buSzTx/>
+                            <a:buFontTx/>
+                            <a:buNone/>
+                            <a:tabLst/>
+                            <a:defRPr/>
+                          </a:pPr>
+                          <a:r>
+                            <a:rPr kumimoji="1" lang="en-US" altLang="ja-JP" sz="900" dirty="0">
+                              <a:latin typeface="Cambria Math" panose="02040503050406030204" pitchFamily="18" charset="0"/>
+                            </a:rPr>
+                            <a:t>Metadata1</a:t>
+                          </a:r>
+                          <a:endParaRPr kumimoji="1" lang="ja-JP" altLang="en-US" sz="900" dirty="0">
+                            <a:latin typeface="Cambria Math" panose="02040503050406030204" pitchFamily="18" charset="0"/>
+                          </a:endParaRPr>
+                        </a:p>
+                      </a:txBody>
+                      <a:tcPr marL="18226" marR="18226" marT="9113" marB="9113" anchor="ctr">
+                        <a:lnL w="12700" cap="flat" cmpd="sng" algn="ctr">
+                          <a:solidFill>
+                            <a:schemeClr val="tx1"/>
+                          </a:solidFill>
+                          <a:prstDash val="solid"/>
+                          <a:round/>
+                          <a:headEnd type="none" w="med" len="med"/>
+                          <a:tailEnd type="none" w="med" len="med"/>
+                        </a:lnL>
+                        <a:lnR w="12700" cap="flat" cmpd="sng" algn="ctr">
+                          <a:solidFill>
+                            <a:schemeClr val="tx1"/>
+                          </a:solidFill>
+                          <a:prstDash val="solid"/>
+                          <a:round/>
+                          <a:headEnd type="none" w="med" len="med"/>
+                          <a:tailEnd type="none" w="med" len="med"/>
+                        </a:lnR>
+                        <a:lnT w="9525" cap="flat" cmpd="sng" algn="ctr">
+                          <a:solidFill>
+                            <a:schemeClr val="tx1"/>
+                          </a:solidFill>
+                          <a:prstDash val="solid"/>
+                          <a:round/>
+                          <a:headEnd type="none" w="med" len="med"/>
+                          <a:tailEnd type="none" w="med" len="med"/>
+                        </a:lnT>
+                        <a:lnB w="12700" cap="flat" cmpd="sng" algn="ctr">
+                          <a:solidFill>
+                            <a:schemeClr val="tx1"/>
+                          </a:solidFill>
+                          <a:prstDash val="sysDot"/>
+                          <a:round/>
+                          <a:headEnd type="none" w="med" len="med"/>
+                          <a:tailEnd type="none" w="med" len="med"/>
+                        </a:lnB>
+                        <a:solidFill>
+                          <a:schemeClr val="bg1"/>
+                        </a:solidFill>
+                      </a:tcPr>
+                    </a:tc>
+                    <a:extLst>
+                      <a:ext uri="{0D108BD9-81ED-4DB2-BD59-A6C34878D82A}">
+                        <a16:rowId xmlns:a16="http://schemas.microsoft.com/office/drawing/2014/main" val="2244812955"/>
+                      </a:ext>
+                    </a:extLst>
+                  </a:tr>
+                  <a:tr h="143849">
+                    <a:tc>
+                      <a:txBody>
+                        <a:bodyPr/>
+                        <a:lstStyle/>
+                        <a:p>
+                          <a:pPr marL="0" marR="0" lvl="0" indent="0" algn="ctr" defTabSz="128789" rtl="0" eaLnBrk="1" fontAlgn="auto" latinLnBrk="0" hangingPunct="1">
+                            <a:lnSpc>
+                              <a:spcPct val="100000"/>
+                            </a:lnSpc>
+                            <a:spcBef>
+                              <a:spcPts val="0"/>
+                            </a:spcBef>
+                            <a:spcAft>
+                              <a:spcPts val="0"/>
+                            </a:spcAft>
+                            <a:buClrTx/>
+                            <a:buSzTx/>
+                            <a:buFontTx/>
+                            <a:buNone/>
+                            <a:tabLst/>
+                            <a:defRPr/>
+                          </a:pPr>
                           <a:r>
                             <a:rPr kumimoji="1" lang="en-US" altLang="ja-JP" sz="900" dirty="0">
                               <a:latin typeface="Cambria Math" panose="02040503050406030204" pitchFamily="18" charset="0"/>
@@ -3078,19 +3206,17 @@
                           <a:headEnd type="none" w="med" len="med"/>
                           <a:tailEnd type="none" w="med" len="med"/>
                         </a:lnR>
-                        <a:lnT w="9525" cap="flat" cmpd="sng" algn="ctr">
-                          <a:solidFill>
-                            <a:schemeClr val="tx1"/>
-                          </a:solidFill>
-                          <a:prstDash val="solid"/>
+                        <a:lnT w="12700" cap="flat" cmpd="sng" algn="ctr">
+                          <a:solidFill>
+                            <a:schemeClr val="tx1"/>
+                          </a:solidFill>
+                          <a:prstDash val="sysDot"/>
                           <a:round/>
                           <a:headEnd type="none" w="med" len="med"/>
                           <a:tailEnd type="none" w="med" len="med"/>
                         </a:lnT>
                         <a:lnB w="12700" cap="flat" cmpd="sng" algn="ctr">
-                          <a:solidFill>
-                            <a:schemeClr val="tx1"/>
-                          </a:solidFill>
+                          <a:noFill/>
                           <a:prstDash val="sysDot"/>
                           <a:round/>
                           <a:headEnd type="none" w="med" len="med"/>
@@ -3103,7 +3229,7 @@
                     </a:tc>
                     <a:extLst>
                       <a:ext uri="{0D108BD9-81ED-4DB2-BD59-A6C34878D82A}">
-                        <a16:rowId xmlns:a16="http://schemas.microsoft.com/office/drawing/2014/main" val="2244812955"/>
+                        <a16:rowId xmlns:a16="http://schemas.microsoft.com/office/drawing/2014/main" val="2617411588"/>
                       </a:ext>
                     </a:extLst>
                   </a:tr>
@@ -3154,9 +3280,7 @@
                           <a:tailEnd type="none" w="med" len="med"/>
                         </a:lnR>
                         <a:lnT w="12700" cap="flat" cmpd="sng" algn="ctr">
-                          <a:solidFill>
-                            <a:schemeClr val="tx1"/>
-                          </a:solidFill>
+                          <a:noFill/>
                           <a:prstDash val="sysDot"/>
                           <a:round/>
                           <a:headEnd type="none" w="med" len="med"/>
@@ -3387,14 +3511,14 @@
               <p:nvPr>
                 <p:extLst>
                   <p:ext uri="{D42A27DB-BD31-4B8C-83A1-F6EECF244321}">
-                    <p14:modId xmlns:p14="http://schemas.microsoft.com/office/powerpoint/2010/main" val="2454578836"/>
+                    <p14:modId xmlns:p14="http://schemas.microsoft.com/office/powerpoint/2010/main" val="120447634"/>
                   </p:ext>
                 </p:extLst>
               </p:nvPr>
             </p:nvGraphicFramePr>
             <p:xfrm>
-              <a:off x="1321784" y="66414"/>
-              <a:ext cx="906385" cy="1162571"/>
+              <a:off x="1321784" y="41460"/>
+              <a:ext cx="906385" cy="1212480"/>
             </p:xfrm>
             <a:graphic>
               <a:graphicData uri="http://schemas.openxmlformats.org/drawingml/2006/table">
@@ -3477,13 +3601,111 @@
                       </a:ext>
                     </a:extLst>
                   </a:tr>
-                  <a:tr h="266707">
+                  <a:tr h="161230">
                     <a:tc>
                       <a:txBody>
                         <a:bodyPr/>
                         <a:lstStyle/>
                         <a:p>
-                          <a:pPr algn="ctr"/>
+                          <a:pPr marL="0" marR="0" lvl="0" indent="0" algn="ctr" defTabSz="128789" rtl="0" eaLnBrk="1" fontAlgn="auto" latinLnBrk="0" hangingPunct="1">
+                            <a:lnSpc>
+                              <a:spcPct val="100000"/>
+                            </a:lnSpc>
+                            <a:spcBef>
+                              <a:spcPts val="0"/>
+                            </a:spcBef>
+                            <a:spcAft>
+                              <a:spcPts val="0"/>
+                            </a:spcAft>
+                            <a:buClrTx/>
+                            <a:buSzTx/>
+                            <a:buFontTx/>
+                            <a:buNone/>
+                            <a:tabLst/>
+                            <a:defRPr/>
+                          </a:pPr>
+                          <a:r>
+                            <a:rPr kumimoji="1" lang="en-US" altLang="ja-JP" sz="900" dirty="0">
+                              <a:latin typeface="Cambria Math" panose="02040503050406030204" pitchFamily="18" charset="0"/>
+                            </a:rPr>
+                            <a:t>Metadata1</a:t>
+                          </a:r>
+                          <a:endParaRPr kumimoji="1" lang="ja-JP" altLang="en-US" sz="900" dirty="0">
+                            <a:latin typeface="Cambria Math" panose="02040503050406030204" pitchFamily="18" charset="0"/>
+                          </a:endParaRPr>
+                        </a:p>
+                      </a:txBody>
+                      <a:tcPr marL="18226" marR="18226" marT="9113" marB="9113" anchor="ctr">
+                        <a:lnL w="12700" cap="flat" cmpd="sng" algn="ctr">
+                          <a:solidFill>
+                            <a:schemeClr val="tx1"/>
+                          </a:solidFill>
+                          <a:prstDash val="solid"/>
+                          <a:round/>
+                          <a:headEnd type="none" w="med" len="med"/>
+                          <a:tailEnd type="none" w="med" len="med"/>
+                        </a:lnL>
+                        <a:lnR w="12700" cap="flat" cmpd="sng" algn="ctr">
+                          <a:solidFill>
+                            <a:schemeClr val="tx1"/>
+                          </a:solidFill>
+                          <a:prstDash val="solid"/>
+                          <a:round/>
+                          <a:headEnd type="none" w="med" len="med"/>
+                          <a:tailEnd type="none" w="med" len="med"/>
+                        </a:lnR>
+                        <a:lnT w="9525" cap="flat" cmpd="sng" algn="ctr">
+                          <a:solidFill>
+                            <a:schemeClr val="tx1"/>
+                          </a:solidFill>
+                          <a:prstDash val="solid"/>
+                          <a:round/>
+                          <a:headEnd type="none" w="med" len="med"/>
+                          <a:tailEnd type="none" w="med" len="med"/>
+                        </a:lnT>
+                        <a:lnB w="12700" cap="flat" cmpd="sng" algn="ctr">
+                          <a:solidFill>
+                            <a:schemeClr val="tx1"/>
+                          </a:solidFill>
+                          <a:prstDash val="sysDot"/>
+                          <a:round/>
+                          <a:headEnd type="none" w="med" len="med"/>
+                          <a:tailEnd type="none" w="med" len="med"/>
+                        </a:lnB>
+                        <a:solidFill>
+                          <a:schemeClr val="bg1"/>
+                        </a:solidFill>
+                      </a:tcPr>
+                    </a:tc>
+                    <a:extLst>
+                      <a:ext uri="{0D108BD9-81ED-4DB2-BD59-A6C34878D82A}">
+                        <a16:rowId xmlns:a16="http://schemas.microsoft.com/office/drawing/2014/main" val="2244812955"/>
+                      </a:ext>
+                    </a:extLst>
+                  </a:tr>
+                  <a:tr h="155386">
+                    <a:tc>
+                      <a:txBody>
+                        <a:bodyPr/>
+                        <a:lstStyle/>
+                        <a:p>
+                          <a:pPr marL="0" marR="0" lvl="0" indent="0" algn="ctr" defTabSz="128789" rtl="0" eaLnBrk="1" fontAlgn="auto" latinLnBrk="0" hangingPunct="1">
+                            <a:lnSpc>
+                              <a:spcPct val="100000"/>
+                            </a:lnSpc>
+                            <a:spcBef>
+                              <a:spcPts val="0"/>
+                            </a:spcBef>
+                            <a:spcAft>
+                              <a:spcPts val="0"/>
+                            </a:spcAft>
+                            <a:buClrTx/>
+                            <a:buSzTx/>
+                            <a:buFontTx/>
+                            <a:buNone/>
+                            <a:tabLst/>
+                            <a:defRPr/>
+                          </a:pPr>
                           <a:r>
                             <a:rPr kumimoji="1" lang="en-US" altLang="ja-JP" sz="900" dirty="0">
                               <a:latin typeface="Cambria Math" panose="02040503050406030204" pitchFamily="18" charset="0"/>
@@ -3512,19 +3734,17 @@
                           <a:headEnd type="none" w="med" len="med"/>
                           <a:tailEnd type="none" w="med" len="med"/>
                         </a:lnR>
-                        <a:lnT w="9525" cap="flat" cmpd="sng" algn="ctr">
-                          <a:solidFill>
-                            <a:schemeClr val="tx1"/>
-                          </a:solidFill>
-                          <a:prstDash val="solid"/>
+                        <a:lnT w="12700" cap="flat" cmpd="sng" algn="ctr">
+                          <a:solidFill>
+                            <a:schemeClr val="tx1"/>
+                          </a:solidFill>
+                          <a:prstDash val="sysDot"/>
                           <a:round/>
                           <a:headEnd type="none" w="med" len="med"/>
                           <a:tailEnd type="none" w="med" len="med"/>
                         </a:lnT>
                         <a:lnB w="12700" cap="flat" cmpd="sng" algn="ctr">
-                          <a:solidFill>
-                            <a:schemeClr val="tx1"/>
-                          </a:solidFill>
+                          <a:noFill/>
                           <a:prstDash val="sysDot"/>
                           <a:round/>
                           <a:headEnd type="none" w="med" len="med"/>
@@ -3537,7 +3757,7 @@
                     </a:tc>
                     <a:extLst>
                       <a:ext uri="{0D108BD9-81ED-4DB2-BD59-A6C34878D82A}">
-                        <a16:rowId xmlns:a16="http://schemas.microsoft.com/office/drawing/2014/main" val="2244812955"/>
+                        <a16:rowId xmlns:a16="http://schemas.microsoft.com/office/drawing/2014/main" val="2617411588"/>
                       </a:ext>
                     </a:extLst>
                   </a:tr>
@@ -3588,9 +3808,7 @@
                           <a:tailEnd type="none" w="med" len="med"/>
                         </a:lnR>
                         <a:lnT w="12700" cap="flat" cmpd="sng" algn="ctr">
-                          <a:solidFill>
-                            <a:schemeClr val="tx1"/>
-                          </a:solidFill>
+                          <a:noFill/>
                           <a:prstDash val="sysDot"/>
                           <a:round/>
                           <a:headEnd type="none" w="med" len="med"/>
@@ -3742,7 +3960,7 @@
                         <a:blipFill>
                           <a:blip r:embed="rId4"/>
                           <a:stretch>
-                            <a:fillRect l="-667" t="-657692" r="-1333" b="-38462"/>
+                            <a:fillRect l="-667" t="-688462" r="-1333" b="-38462"/>
                           </a:stretch>
                         </a:blipFill>
                       </a:tcPr>
@@ -3775,7 +3993,7 @@
         </p:nvCxnSpPr>
         <p:spPr>
           <a:xfrm>
-            <a:off x="816756" y="890862"/>
+            <a:off x="816756" y="1003778"/>
             <a:ext cx="505028" cy="0"/>
           </a:xfrm>
           <a:prstGeom prst="straightConnector1">
@@ -3817,8 +4035,8 @@
         </p:nvSpPr>
         <p:spPr>
           <a:xfrm>
-            <a:off x="2228170" y="493937"/>
-            <a:ext cx="100516" cy="573229"/>
+            <a:off x="2226582" y="514096"/>
+            <a:ext cx="134010" cy="579693"/>
           </a:xfrm>
           <a:prstGeom prst="rightBrace">
             <a:avLst>
@@ -3851,7 +4069,7 @@
           <a:lstStyle/>
           <a:p>
             <a:pPr algn="ctr"/>
-            <a:endParaRPr lang="ja-JP" altLang="en-US"/>
+            <a:endParaRPr lang="ja-JP" altLang="en-US" dirty="0"/>
           </a:p>
         </p:txBody>
       </p:sp>
